--- a/PWA/Angular/Angular.pptx
+++ b/PWA/Angular/Angular.pptx
@@ -6,10 +6,16 @@
   </p:sldMasterIdLst>
   <p:sldIdLst>
     <p:sldId id="256" r:id="rId2"/>
-    <p:sldId id="257" r:id="rId3"/>
-    <p:sldId id="258" r:id="rId4"/>
-    <p:sldId id="259" r:id="rId5"/>
-    <p:sldId id="260" r:id="rId6"/>
+    <p:sldId id="266" r:id="rId3"/>
+    <p:sldId id="257" r:id="rId4"/>
+    <p:sldId id="258" r:id="rId5"/>
+    <p:sldId id="259" r:id="rId6"/>
+    <p:sldId id="260" r:id="rId7"/>
+    <p:sldId id="262" r:id="rId8"/>
+    <p:sldId id="261" r:id="rId9"/>
+    <p:sldId id="263" r:id="rId10"/>
+    <p:sldId id="264" r:id="rId11"/>
+    <p:sldId id="265" r:id="rId12"/>
   </p:sldIdLst>
   <p:sldSz cx="12192000" cy="6858000"/>
   <p:notesSz cx="6858000" cy="9144000"/>
@@ -108,6 +114,11 @@
       </a:defRPr>
     </a:lvl9pPr>
   </p:defaultTextStyle>
+  <p:extLst>
+    <p:ext uri="{EFAFB233-063F-42B5-8137-9DF3F51BA10A}">
+      <p15:sldGuideLst xmlns:p15="http://schemas.microsoft.com/office/powerpoint/2012/main"/>
+    </p:ext>
+  </p:extLst>
 </p:presentation>
 </file>
 
@@ -3445,6 +3456,251 @@
 </p:sld>
 </file>
 
+<file path=ppt/slides/slide10.xml><?xml version="1.0" encoding="utf-8"?>
+<p:sld xmlns:a="http://schemas.openxmlformats.org/drawingml/2006/main" xmlns:r="http://schemas.openxmlformats.org/officeDocument/2006/relationships" xmlns:p="http://schemas.openxmlformats.org/presentationml/2006/main">
+  <p:cSld>
+    <p:spTree>
+      <p:nvGrpSpPr>
+        <p:cNvPr id="1" name=""/>
+        <p:cNvGrpSpPr/>
+        <p:nvPr/>
+      </p:nvGrpSpPr>
+      <p:grpSpPr>
+        <a:xfrm>
+          <a:off x="0" y="0"/>
+          <a:ext cx="0" cy="0"/>
+          <a:chOff x="0" y="0"/>
+          <a:chExt cx="0" cy="0"/>
+        </a:xfrm>
+      </p:grpSpPr>
+      <p:sp>
+        <p:nvSpPr>
+          <p:cNvPr id="2" name="כותרת 1">
+            <a:extLst>
+              <a:ext uri="{FF2B5EF4-FFF2-40B4-BE49-F238E27FC236}">
+                <a16:creationId xmlns:a16="http://schemas.microsoft.com/office/drawing/2014/main" id="{2D50CAB8-2BE3-4527-8334-DC653BCD170A}"/>
+              </a:ext>
+            </a:extLst>
+          </p:cNvPr>
+          <p:cNvSpPr>
+            <a:spLocks noGrp="1"/>
+          </p:cNvSpPr>
+          <p:nvPr>
+            <p:ph type="title"/>
+          </p:nvPr>
+        </p:nvSpPr>
+        <p:spPr>
+          <a:xfrm>
+            <a:off x="281609" y="134885"/>
+            <a:ext cx="10515600" cy="1325563"/>
+          </a:xfrm>
+        </p:spPr>
+        <p:txBody>
+          <a:bodyPr/>
+          <a:lstStyle/>
+          <a:p>
+            <a:pPr algn="l" rtl="0"/>
+            <a:r>
+              <a:rPr lang="en-US" dirty="0"/>
+              <a:t>Select (on select)</a:t>
+            </a:r>
+            <a:endParaRPr lang="he-IL" dirty="0"/>
+          </a:p>
+        </p:txBody>
+      </p:sp>
+      <p:pic>
+        <p:nvPicPr>
+          <p:cNvPr id="4" name="תמונה 3">
+            <a:extLst>
+              <a:ext uri="{FF2B5EF4-FFF2-40B4-BE49-F238E27FC236}">
+                <a16:creationId xmlns:a16="http://schemas.microsoft.com/office/drawing/2014/main" id="{AE790A0A-A341-452B-8F78-C87A629683A0}"/>
+              </a:ext>
+            </a:extLst>
+          </p:cNvPr>
+          <p:cNvPicPr>
+            <a:picLocks noChangeAspect="1"/>
+          </p:cNvPicPr>
+          <p:nvPr/>
+        </p:nvPicPr>
+        <p:blipFill>
+          <a:blip r:embed="rId2"/>
+          <a:stretch>
+            <a:fillRect/>
+          </a:stretch>
+        </p:blipFill>
+        <p:spPr>
+          <a:xfrm>
+            <a:off x="4635580" y="365125"/>
+            <a:ext cx="7556420" cy="1898598"/>
+          </a:xfrm>
+          <a:prstGeom prst="rect">
+            <a:avLst/>
+          </a:prstGeom>
+        </p:spPr>
+      </p:pic>
+      <p:pic>
+        <p:nvPicPr>
+          <p:cNvPr id="5" name="תמונה 4">
+            <a:extLst>
+              <a:ext uri="{FF2B5EF4-FFF2-40B4-BE49-F238E27FC236}">
+                <a16:creationId xmlns:a16="http://schemas.microsoft.com/office/drawing/2014/main" id="{A567C917-B8DD-4E9F-B9F2-1F636591615B}"/>
+              </a:ext>
+            </a:extLst>
+          </p:cNvPr>
+          <p:cNvPicPr>
+            <a:picLocks noChangeAspect="1"/>
+          </p:cNvPicPr>
+          <p:nvPr/>
+        </p:nvPicPr>
+        <p:blipFill>
+          <a:blip r:embed="rId3"/>
+          <a:stretch>
+            <a:fillRect/>
+          </a:stretch>
+        </p:blipFill>
+        <p:spPr>
+          <a:xfrm>
+            <a:off x="1733549" y="2365633"/>
+            <a:ext cx="5051563" cy="4478023"/>
+          </a:xfrm>
+          <a:prstGeom prst="rect">
+            <a:avLst/>
+          </a:prstGeom>
+        </p:spPr>
+      </p:pic>
+    </p:spTree>
+    <p:extLst>
+      <p:ext uri="{BB962C8B-B14F-4D97-AF65-F5344CB8AC3E}">
+        <p14:creationId xmlns:p14="http://schemas.microsoft.com/office/powerpoint/2010/main" val="2372217276"/>
+      </p:ext>
+    </p:extLst>
+  </p:cSld>
+  <p:clrMapOvr>
+    <a:masterClrMapping/>
+  </p:clrMapOvr>
+</p:sld>
+</file>
+
+<file path=ppt/slides/slide11.xml><?xml version="1.0" encoding="utf-8"?>
+<p:sld xmlns:a="http://schemas.openxmlformats.org/drawingml/2006/main" xmlns:r="http://schemas.openxmlformats.org/officeDocument/2006/relationships" xmlns:p="http://schemas.openxmlformats.org/presentationml/2006/main">
+  <p:cSld>
+    <p:spTree>
+      <p:nvGrpSpPr>
+        <p:cNvPr id="1" name=""/>
+        <p:cNvGrpSpPr/>
+        <p:nvPr/>
+      </p:nvGrpSpPr>
+      <p:grpSpPr>
+        <a:xfrm>
+          <a:off x="0" y="0"/>
+          <a:ext cx="0" cy="0"/>
+          <a:chOff x="0" y="0"/>
+          <a:chExt cx="0" cy="0"/>
+        </a:xfrm>
+      </p:grpSpPr>
+      <p:sp>
+        <p:nvSpPr>
+          <p:cNvPr id="2" name="כותרת 1">
+            <a:extLst>
+              <a:ext uri="{FF2B5EF4-FFF2-40B4-BE49-F238E27FC236}">
+                <a16:creationId xmlns:a16="http://schemas.microsoft.com/office/drawing/2014/main" id="{28102B4D-7AB6-4DC4-A117-931696FCFDF2}"/>
+              </a:ext>
+            </a:extLst>
+          </p:cNvPr>
+          <p:cNvSpPr>
+            <a:spLocks noGrp="1"/>
+          </p:cNvSpPr>
+          <p:nvPr>
+            <p:ph type="title"/>
+          </p:nvPr>
+        </p:nvSpPr>
+        <p:spPr/>
+        <p:txBody>
+          <a:bodyPr/>
+          <a:lstStyle/>
+          <a:p>
+            <a:pPr algn="l" rtl="0"/>
+            <a:r>
+              <a:rPr lang="en-US" dirty="0"/>
+              <a:t>Input (two-ways binding)</a:t>
+            </a:r>
+            <a:endParaRPr lang="he-IL" dirty="0"/>
+          </a:p>
+        </p:txBody>
+      </p:sp>
+      <p:pic>
+        <p:nvPicPr>
+          <p:cNvPr id="6" name="תמונה 5">
+            <a:extLst>
+              <a:ext uri="{FF2B5EF4-FFF2-40B4-BE49-F238E27FC236}">
+                <a16:creationId xmlns:a16="http://schemas.microsoft.com/office/drawing/2014/main" id="{5C8CB386-BDFF-4302-93F7-88198772F706}"/>
+              </a:ext>
+            </a:extLst>
+          </p:cNvPr>
+          <p:cNvPicPr>
+            <a:picLocks noChangeAspect="1"/>
+          </p:cNvPicPr>
+          <p:nvPr/>
+        </p:nvPicPr>
+        <p:blipFill>
+          <a:blip r:embed="rId2"/>
+          <a:stretch>
+            <a:fillRect/>
+          </a:stretch>
+        </p:blipFill>
+        <p:spPr>
+          <a:xfrm>
+            <a:off x="170497" y="1326466"/>
+            <a:ext cx="5267325" cy="3276600"/>
+          </a:xfrm>
+          <a:prstGeom prst="rect">
+            <a:avLst/>
+          </a:prstGeom>
+        </p:spPr>
+      </p:pic>
+      <p:pic>
+        <p:nvPicPr>
+          <p:cNvPr id="7" name="תמונה 6">
+            <a:extLst>
+              <a:ext uri="{FF2B5EF4-FFF2-40B4-BE49-F238E27FC236}">
+                <a16:creationId xmlns:a16="http://schemas.microsoft.com/office/drawing/2014/main" id="{ACDE80D8-00DA-4EAC-A97C-EE5E8D738CD6}"/>
+              </a:ext>
+            </a:extLst>
+          </p:cNvPr>
+          <p:cNvPicPr>
+            <a:picLocks noChangeAspect="1"/>
+          </p:cNvPicPr>
+          <p:nvPr/>
+        </p:nvPicPr>
+        <p:blipFill>
+          <a:blip r:embed="rId3"/>
+          <a:stretch>
+            <a:fillRect/>
+          </a:stretch>
+        </p:blipFill>
+        <p:spPr>
+          <a:xfrm>
+            <a:off x="5709761" y="1326466"/>
+            <a:ext cx="6332842" cy="3020451"/>
+          </a:xfrm>
+          <a:prstGeom prst="rect">
+            <a:avLst/>
+          </a:prstGeom>
+        </p:spPr>
+      </p:pic>
+    </p:spTree>
+    <p:extLst>
+      <p:ext uri="{BB962C8B-B14F-4D97-AF65-F5344CB8AC3E}">
+        <p14:creationId xmlns:p14="http://schemas.microsoft.com/office/powerpoint/2010/main" val="348781691"/>
+      </p:ext>
+    </p:extLst>
+  </p:cSld>
+  <p:clrMapOvr>
+    <a:masterClrMapping/>
+  </p:clrMapOvr>
+</p:sld>
+</file>
+
 <file path=ppt/slides/slide2.xml><?xml version="1.0" encoding="utf-8"?>
 <p:sld xmlns:a="http://schemas.openxmlformats.org/drawingml/2006/main" xmlns:r="http://schemas.openxmlformats.org/officeDocument/2006/relationships" xmlns:p="http://schemas.openxmlformats.org/presentationml/2006/main">
   <p:cSld>
@@ -3467,6 +3723,171 @@
           <p:cNvPr id="2" name="כותרת 1">
             <a:extLst>
               <a:ext uri="{FF2B5EF4-FFF2-40B4-BE49-F238E27FC236}">
+                <a16:creationId xmlns:a16="http://schemas.microsoft.com/office/drawing/2014/main" id="{B3CE4B21-D12C-4966-9D63-FEEAF3638218}"/>
+              </a:ext>
+            </a:extLst>
+          </p:cNvPr>
+          <p:cNvSpPr>
+            <a:spLocks noGrp="1"/>
+          </p:cNvSpPr>
+          <p:nvPr>
+            <p:ph type="title"/>
+          </p:nvPr>
+        </p:nvSpPr>
+        <p:spPr/>
+        <p:txBody>
+          <a:bodyPr/>
+          <a:lstStyle/>
+          <a:p>
+            <a:pPr algn="l" rtl="0"/>
+            <a:r>
+              <a:rPr lang="en-US" dirty="0"/>
+              <a:t>What we will cover?</a:t>
+            </a:r>
+            <a:endParaRPr lang="he-IL" dirty="0"/>
+          </a:p>
+        </p:txBody>
+      </p:sp>
+      <p:sp>
+        <p:nvSpPr>
+          <p:cNvPr id="3" name="מציין מיקום תוכן 2">
+            <a:extLst>
+              <a:ext uri="{FF2B5EF4-FFF2-40B4-BE49-F238E27FC236}">
+                <a16:creationId xmlns:a16="http://schemas.microsoft.com/office/drawing/2014/main" id="{2D06A045-80A9-471D-B265-9E02D34C4310}"/>
+              </a:ext>
+            </a:extLst>
+          </p:cNvPr>
+          <p:cNvSpPr>
+            <a:spLocks noGrp="1"/>
+          </p:cNvSpPr>
+          <p:nvPr>
+            <p:ph idx="1"/>
+          </p:nvPr>
+        </p:nvSpPr>
+        <p:spPr/>
+        <p:txBody>
+          <a:bodyPr/>
+          <a:lstStyle/>
+          <a:p>
+            <a:pPr algn="l" rtl="0"/>
+            <a:r>
+              <a:rPr lang="en-US" dirty="0"/>
+              <a:t>Init project</a:t>
+            </a:r>
+          </a:p>
+          <a:p>
+            <a:pPr algn="l" rtl="0"/>
+            <a:r>
+              <a:rPr lang="en-US" dirty="0"/>
+              <a:t>Architecture</a:t>
+            </a:r>
+          </a:p>
+          <a:p>
+            <a:pPr algn="l" rtl="0"/>
+            <a:r>
+              <a:rPr lang="en-US" dirty="0"/>
+              <a:t>Creating new component</a:t>
+            </a:r>
+          </a:p>
+          <a:p>
+            <a:pPr algn="l" rtl="0"/>
+            <a:r>
+              <a:rPr lang="en-US" dirty="0"/>
+              <a:t>Data model (in </a:t>
+            </a:r>
+            <a:r>
+              <a:rPr lang="en-US" dirty="0" err="1"/>
+              <a:t>ts</a:t>
+            </a:r>
+            <a:r>
+              <a:rPr lang="en-US" dirty="0"/>
+              <a:t>)</a:t>
+            </a:r>
+          </a:p>
+          <a:p>
+            <a:pPr lvl="1" algn="l" rtl="0"/>
+            <a:r>
+              <a:rPr lang="en-US" dirty="0"/>
+              <a:t>Single</a:t>
+            </a:r>
+          </a:p>
+          <a:p>
+            <a:pPr lvl="1" algn="l" rtl="0"/>
+            <a:r>
+              <a:rPr lang="en-US" dirty="0"/>
+              <a:t>Array</a:t>
+            </a:r>
+          </a:p>
+          <a:p>
+            <a:pPr algn="l" rtl="0"/>
+            <a:r>
+              <a:rPr lang="en-US" dirty="0"/>
+              <a:t>Events</a:t>
+            </a:r>
+          </a:p>
+          <a:p>
+            <a:pPr lvl="1" algn="l" rtl="0"/>
+            <a:r>
+              <a:rPr lang="en-US" dirty="0"/>
+              <a:t>Select</a:t>
+            </a:r>
+          </a:p>
+          <a:p>
+            <a:pPr lvl="1" algn="l" rtl="0"/>
+            <a:r>
+              <a:rPr lang="en-US" dirty="0"/>
+              <a:t>Input (with two way binding)</a:t>
+            </a:r>
+          </a:p>
+          <a:p>
+            <a:pPr algn="l" rtl="0"/>
+            <a:endParaRPr lang="en-US" dirty="0"/>
+          </a:p>
+          <a:p>
+            <a:pPr algn="l" rtl="0"/>
+            <a:endParaRPr lang="en-US" dirty="0"/>
+          </a:p>
+          <a:p>
+            <a:pPr algn="l" rtl="0"/>
+            <a:endParaRPr lang="he-IL" dirty="0"/>
+          </a:p>
+        </p:txBody>
+      </p:sp>
+    </p:spTree>
+    <p:extLst>
+      <p:ext uri="{BB962C8B-B14F-4D97-AF65-F5344CB8AC3E}">
+        <p14:creationId xmlns:p14="http://schemas.microsoft.com/office/powerpoint/2010/main" val="2093167634"/>
+      </p:ext>
+    </p:extLst>
+  </p:cSld>
+  <p:clrMapOvr>
+    <a:masterClrMapping/>
+  </p:clrMapOvr>
+</p:sld>
+</file>
+
+<file path=ppt/slides/slide3.xml><?xml version="1.0" encoding="utf-8"?>
+<p:sld xmlns:a="http://schemas.openxmlformats.org/drawingml/2006/main" xmlns:r="http://schemas.openxmlformats.org/officeDocument/2006/relationships" xmlns:p="http://schemas.openxmlformats.org/presentationml/2006/main">
+  <p:cSld>
+    <p:spTree>
+      <p:nvGrpSpPr>
+        <p:cNvPr id="1" name=""/>
+        <p:cNvGrpSpPr/>
+        <p:nvPr/>
+      </p:nvGrpSpPr>
+      <p:grpSpPr>
+        <a:xfrm>
+          <a:off x="0" y="0"/>
+          <a:ext cx="0" cy="0"/>
+          <a:chOff x="0" y="0"/>
+          <a:chExt cx="0" cy="0"/>
+        </a:xfrm>
+      </p:grpSpPr>
+      <p:sp>
+        <p:nvSpPr>
+          <p:cNvPr id="2" name="כותרת 1">
+            <a:extLst>
+              <a:ext uri="{FF2B5EF4-FFF2-40B4-BE49-F238E27FC236}">
                 <a16:creationId xmlns:a16="http://schemas.microsoft.com/office/drawing/2014/main" id="{914FC36E-228F-4800-81EF-0F36852AB2BB}"/>
               </a:ext>
             </a:extLst>
@@ -3579,7 +4000,7 @@
 </p:sld>
 </file>
 
-<file path=ppt/slides/slide3.xml><?xml version="1.0" encoding="utf-8"?>
+<file path=ppt/slides/slide4.xml><?xml version="1.0" encoding="utf-8"?>
 <p:sld xmlns:a="http://schemas.openxmlformats.org/drawingml/2006/main" xmlns:r="http://schemas.openxmlformats.org/officeDocument/2006/relationships" xmlns:p="http://schemas.openxmlformats.org/presentationml/2006/main">
   <p:cSld>
     <p:spTree>
@@ -4043,7 +4464,7 @@
 </p:sld>
 </file>
 
-<file path=ppt/slides/slide4.xml><?xml version="1.0" encoding="utf-8"?>
+<file path=ppt/slides/slide5.xml><?xml version="1.0" encoding="utf-8"?>
 <p:sld xmlns:a="http://schemas.openxmlformats.org/drawingml/2006/main" xmlns:r="http://schemas.openxmlformats.org/officeDocument/2006/relationships" xmlns:p="http://schemas.openxmlformats.org/presentationml/2006/main">
   <p:cSld>
     <p:spTree>
@@ -4664,9 +5085,17 @@
 </p:sld>
 </file>
 
-<file path=ppt/slides/slide5.xml><?xml version="1.0" encoding="utf-8"?>
+<file path=ppt/slides/slide6.xml><?xml version="1.0" encoding="utf-8"?>
 <p:sld xmlns:a="http://schemas.openxmlformats.org/drawingml/2006/main" xmlns:r="http://schemas.openxmlformats.org/officeDocument/2006/relationships" xmlns:p="http://schemas.openxmlformats.org/presentationml/2006/main">
   <p:cSld>
+    <p:bg>
+      <p:bgPr>
+        <a:solidFill>
+          <a:schemeClr val="bg1"/>
+        </a:solidFill>
+        <a:effectLst/>
+      </p:bgPr>
+    </p:bg>
     <p:spTree>
       <p:nvGrpSpPr>
         <p:cNvPr id="1" name=""/>
@@ -4683,6 +5112,69 @@
       </p:grpSpPr>
       <p:sp>
         <p:nvSpPr>
+          <p:cNvPr id="9" name="Rectangle 8">
+            <a:extLst>
+              <a:ext uri="{FF2B5EF4-FFF2-40B4-BE49-F238E27FC236}">
+                <a16:creationId xmlns:a16="http://schemas.microsoft.com/office/drawing/2014/main" id="{A4AC5506-6312-4701-8D3C-40187889A947}"/>
+              </a:ext>
+              <a:ext uri="{C183D7F6-B498-43B3-948B-1728B52AA6E4}">
+                <adec:decorative xmlns:adec="http://schemas.microsoft.com/office/drawing/2017/decorative" val="1"/>
+              </a:ext>
+            </a:extLst>
+          </p:cNvPr>
+          <p:cNvSpPr>
+            <a:spLocks noGrp="1" noRot="1" noChangeAspect="1" noMove="1" noResize="1" noEditPoints="1" noAdjustHandles="1" noChangeArrowheads="1" noChangeShapeType="1" noTextEdit="1"/>
+          </p:cNvSpPr>
+          <p:nvPr>
+            <p:extLst>
+              <p:ext uri="{386F3935-93C4-4BCD-93E2-E3B085C9AB24}">
+                <p16:designElem xmlns:p16="http://schemas.microsoft.com/office/powerpoint/2015/main" val="1"/>
+              </p:ext>
+            </p:extLst>
+          </p:nvPr>
+        </p:nvSpPr>
+        <p:spPr>
+          <a:xfrm>
+            <a:off x="0" y="651752"/>
+            <a:ext cx="12192000" cy="736551"/>
+          </a:xfrm>
+          <a:prstGeom prst="rect">
+            <a:avLst/>
+          </a:prstGeom>
+          <a:solidFill>
+            <a:schemeClr val="tx1"/>
+          </a:solidFill>
+          <a:ln>
+            <a:noFill/>
+          </a:ln>
+        </p:spPr>
+        <p:style>
+          <a:lnRef idx="2">
+            <a:schemeClr val="accent1">
+              <a:shade val="50000"/>
+            </a:schemeClr>
+          </a:lnRef>
+          <a:fillRef idx="1">
+            <a:schemeClr val="accent1"/>
+          </a:fillRef>
+          <a:effectRef idx="0">
+            <a:schemeClr val="accent1"/>
+          </a:effectRef>
+          <a:fontRef idx="minor">
+            <a:schemeClr val="lt1"/>
+          </a:fontRef>
+        </p:style>
+        <p:txBody>
+          <a:bodyPr rtlCol="0" anchor="ctr"/>
+          <a:lstStyle/>
+          <a:p>
+            <a:pPr algn="ctr"/>
+            <a:endParaRPr lang="en-US"/>
+          </a:p>
+        </p:txBody>
+      </p:sp>
+      <p:sp>
+        <p:nvSpPr>
           <p:cNvPr id="2" name="כותרת 1">
             <a:extLst>
               <a:ext uri="{FF2B5EF4-FFF2-40B4-BE49-F238E27FC236}">
@@ -4697,40 +5189,63 @@
             <p:ph type="title"/>
           </p:nvPr>
         </p:nvSpPr>
-        <p:spPr/>
-        <p:txBody>
-          <a:bodyPr/>
-          <a:lstStyle/>
-          <a:p>
-            <a:endParaRPr lang="he-IL"/>
-          </a:p>
-        </p:txBody>
-      </p:sp>
-      <p:sp>
-        <p:nvSpPr>
-          <p:cNvPr id="3" name="מציין מיקום תוכן 2">
-            <a:extLst>
-              <a:ext uri="{FF2B5EF4-FFF2-40B4-BE49-F238E27FC236}">
-                <a16:creationId xmlns:a16="http://schemas.microsoft.com/office/drawing/2014/main" id="{93689D4B-A966-4BD1-B0E2-F194E9E4E785}"/>
-              </a:ext>
-            </a:extLst>
-          </p:cNvPr>
-          <p:cNvSpPr>
-            <a:spLocks noGrp="1"/>
-          </p:cNvSpPr>
-          <p:nvPr>
-            <p:ph idx="1"/>
-          </p:nvPr>
-        </p:nvSpPr>
-        <p:spPr/>
-        <p:txBody>
-          <a:bodyPr/>
-          <a:lstStyle/>
-          <a:p>
-            <a:endParaRPr lang="he-IL"/>
-          </a:p>
-        </p:txBody>
-      </p:sp>
+        <p:spPr>
+          <a:xfrm>
+            <a:off x="556532" y="643467"/>
+            <a:ext cx="11210925" cy="744836"/>
+          </a:xfrm>
+        </p:spPr>
+        <p:txBody>
+          <a:bodyPr vert="horz" lIns="91440" tIns="45720" rIns="91440" bIns="45720" rtlCol="0" anchor="ctr">
+            <a:normAutofit/>
+          </a:bodyPr>
+          <a:lstStyle/>
+          <a:p>
+            <a:pPr algn="ctr" rtl="0"/>
+            <a:r>
+              <a:rPr lang="en-US" sz="3200" kern="1200">
+                <a:solidFill>
+                  <a:schemeClr val="bg1"/>
+                </a:solidFill>
+                <a:latin typeface="+mj-lt"/>
+                <a:ea typeface="+mj-ea"/>
+                <a:cs typeface="+mj-cs"/>
+              </a:rPr>
+              <a:t>Generate new component</a:t>
+            </a:r>
+          </a:p>
+        </p:txBody>
+      </p:sp>
+      <p:pic>
+        <p:nvPicPr>
+          <p:cNvPr id="4" name="תמונה 3">
+            <a:extLst>
+              <a:ext uri="{FF2B5EF4-FFF2-40B4-BE49-F238E27FC236}">
+                <a16:creationId xmlns:a16="http://schemas.microsoft.com/office/drawing/2014/main" id="{38F70562-BABD-442A-8774-20B2238F1158}"/>
+              </a:ext>
+            </a:extLst>
+          </p:cNvPr>
+          <p:cNvPicPr>
+            <a:picLocks noChangeAspect="1"/>
+          </p:cNvPicPr>
+          <p:nvPr/>
+        </p:nvPicPr>
+        <p:blipFill>
+          <a:blip r:embed="rId2"/>
+          <a:stretch>
+            <a:fillRect/>
+          </a:stretch>
+        </p:blipFill>
+        <p:spPr>
+          <a:xfrm>
+            <a:off x="1659711" y="1675227"/>
+            <a:ext cx="8872578" cy="4394199"/>
+          </a:xfrm>
+          <a:prstGeom prst="rect">
+            <a:avLst/>
+          </a:prstGeom>
+        </p:spPr>
+      </p:pic>
     </p:spTree>
     <p:extLst>
       <p:ext uri="{BB962C8B-B14F-4D97-AF65-F5344CB8AC3E}">
@@ -4741,6 +5256,1903 @@
   <p:clrMapOvr>
     <a:masterClrMapping/>
   </p:clrMapOvr>
+</p:sld>
+</file>
+
+<file path=ppt/slides/slide7.xml><?xml version="1.0" encoding="utf-8"?>
+<p:sld xmlns:a="http://schemas.openxmlformats.org/drawingml/2006/main" xmlns:r="http://schemas.openxmlformats.org/officeDocument/2006/relationships" xmlns:p="http://schemas.openxmlformats.org/presentationml/2006/main">
+  <p:cSld>
+    <p:bg>
+      <p:bgPr>
+        <a:solidFill>
+          <a:schemeClr val="bg1"/>
+        </a:solidFill>
+        <a:effectLst/>
+      </p:bgPr>
+    </p:bg>
+    <p:spTree>
+      <p:nvGrpSpPr>
+        <p:cNvPr id="1" name=""/>
+        <p:cNvGrpSpPr/>
+        <p:nvPr/>
+      </p:nvGrpSpPr>
+      <p:grpSpPr>
+        <a:xfrm>
+          <a:off x="0" y="0"/>
+          <a:ext cx="0" cy="0"/>
+          <a:chOff x="0" y="0"/>
+          <a:chExt cx="0" cy="0"/>
+        </a:xfrm>
+      </p:grpSpPr>
+      <p:sp>
+        <p:nvSpPr>
+          <p:cNvPr id="9" name="Rectangle 8">
+            <a:extLst>
+              <a:ext uri="{FF2B5EF4-FFF2-40B4-BE49-F238E27FC236}">
+                <a16:creationId xmlns:a16="http://schemas.microsoft.com/office/drawing/2014/main" id="{A4AC5506-6312-4701-8D3C-40187889A947}"/>
+              </a:ext>
+              <a:ext uri="{C183D7F6-B498-43B3-948B-1728B52AA6E4}">
+                <adec:decorative xmlns:adec="http://schemas.microsoft.com/office/drawing/2017/decorative" val="1"/>
+              </a:ext>
+            </a:extLst>
+          </p:cNvPr>
+          <p:cNvSpPr>
+            <a:spLocks noGrp="1" noRot="1" noChangeAspect="1" noMove="1" noResize="1" noEditPoints="1" noAdjustHandles="1" noChangeArrowheads="1" noChangeShapeType="1" noTextEdit="1"/>
+          </p:cNvSpPr>
+          <p:nvPr>
+            <p:extLst>
+              <p:ext uri="{386F3935-93C4-4BCD-93E2-E3B085C9AB24}">
+                <p16:designElem xmlns:p16="http://schemas.microsoft.com/office/powerpoint/2015/main" val="1"/>
+              </p:ext>
+            </p:extLst>
+          </p:nvPr>
+        </p:nvSpPr>
+        <p:spPr>
+          <a:xfrm>
+            <a:off x="0" y="651752"/>
+            <a:ext cx="12192000" cy="736551"/>
+          </a:xfrm>
+          <a:prstGeom prst="rect">
+            <a:avLst/>
+          </a:prstGeom>
+          <a:solidFill>
+            <a:schemeClr val="tx1"/>
+          </a:solidFill>
+          <a:ln>
+            <a:noFill/>
+          </a:ln>
+        </p:spPr>
+        <p:style>
+          <a:lnRef idx="2">
+            <a:schemeClr val="accent1">
+              <a:shade val="50000"/>
+            </a:schemeClr>
+          </a:lnRef>
+          <a:fillRef idx="1">
+            <a:schemeClr val="accent1"/>
+          </a:fillRef>
+          <a:effectRef idx="0">
+            <a:schemeClr val="accent1"/>
+          </a:effectRef>
+          <a:fontRef idx="minor">
+            <a:schemeClr val="lt1"/>
+          </a:fontRef>
+        </p:style>
+        <p:txBody>
+          <a:bodyPr rtlCol="0" anchor="ctr"/>
+          <a:lstStyle/>
+          <a:p>
+            <a:pPr algn="ctr"/>
+            <a:endParaRPr lang="en-US"/>
+          </a:p>
+        </p:txBody>
+      </p:sp>
+      <p:sp>
+        <p:nvSpPr>
+          <p:cNvPr id="2" name="כותרת 1">
+            <a:extLst>
+              <a:ext uri="{FF2B5EF4-FFF2-40B4-BE49-F238E27FC236}">
+                <a16:creationId xmlns:a16="http://schemas.microsoft.com/office/drawing/2014/main" id="{F51AD231-0399-49FB-8456-14D1F0EC9685}"/>
+              </a:ext>
+            </a:extLst>
+          </p:cNvPr>
+          <p:cNvSpPr>
+            <a:spLocks noGrp="1"/>
+          </p:cNvSpPr>
+          <p:nvPr>
+            <p:ph type="title"/>
+          </p:nvPr>
+        </p:nvSpPr>
+        <p:spPr>
+          <a:xfrm>
+            <a:off x="556532" y="643467"/>
+            <a:ext cx="11210925" cy="744836"/>
+          </a:xfrm>
+        </p:spPr>
+        <p:txBody>
+          <a:bodyPr vert="horz" lIns="91440" tIns="45720" rIns="91440" bIns="45720" rtlCol="0" anchor="ctr">
+            <a:normAutofit/>
+          </a:bodyPr>
+          <a:lstStyle/>
+          <a:p>
+            <a:pPr algn="ctr" rtl="0"/>
+            <a:r>
+              <a:rPr lang="en-US" sz="3200" kern="1200">
+                <a:solidFill>
+                  <a:schemeClr val="bg1"/>
+                </a:solidFill>
+                <a:latin typeface="+mj-lt"/>
+                <a:ea typeface="+mj-ea"/>
+                <a:cs typeface="+mj-cs"/>
+              </a:rPr>
+              <a:t>Generate new component</a:t>
+            </a:r>
+          </a:p>
+        </p:txBody>
+      </p:sp>
+      <p:pic>
+        <p:nvPicPr>
+          <p:cNvPr id="3" name="תמונה 2">
+            <a:extLst>
+              <a:ext uri="{FF2B5EF4-FFF2-40B4-BE49-F238E27FC236}">
+                <a16:creationId xmlns:a16="http://schemas.microsoft.com/office/drawing/2014/main" id="{0A081F94-D87E-4D8C-8B27-A7E513C5447C}"/>
+              </a:ext>
+            </a:extLst>
+          </p:cNvPr>
+          <p:cNvPicPr>
+            <a:picLocks noChangeAspect="1"/>
+          </p:cNvPicPr>
+          <p:nvPr/>
+        </p:nvPicPr>
+        <p:blipFill>
+          <a:blip r:embed="rId2"/>
+          <a:stretch>
+            <a:fillRect/>
+          </a:stretch>
+        </p:blipFill>
+        <p:spPr>
+          <a:xfrm>
+            <a:off x="556532" y="1555432"/>
+            <a:ext cx="9544071" cy="5156994"/>
+          </a:xfrm>
+          <a:prstGeom prst="rect">
+            <a:avLst/>
+          </a:prstGeom>
+        </p:spPr>
+      </p:pic>
+      <p:sp>
+        <p:nvSpPr>
+          <p:cNvPr id="5" name="מלבן 4">
+            <a:extLst>
+              <a:ext uri="{FF2B5EF4-FFF2-40B4-BE49-F238E27FC236}">
+                <a16:creationId xmlns:a16="http://schemas.microsoft.com/office/drawing/2014/main" id="{99C234F6-69DA-408E-952F-47565338395C}"/>
+              </a:ext>
+            </a:extLst>
+          </p:cNvPr>
+          <p:cNvSpPr/>
+          <p:nvPr/>
+        </p:nvSpPr>
+        <p:spPr>
+          <a:xfrm>
+            <a:off x="1448972" y="3179298"/>
+            <a:ext cx="8482819" cy="900333"/>
+          </a:xfrm>
+          <a:prstGeom prst="rect">
+            <a:avLst/>
+          </a:prstGeom>
+          <a:solidFill>
+            <a:srgbClr val="4472C4">
+              <a:alpha val="40000"/>
+            </a:srgbClr>
+          </a:solidFill>
+        </p:spPr>
+        <p:style>
+          <a:lnRef idx="2">
+            <a:schemeClr val="accent1">
+              <a:shade val="50000"/>
+            </a:schemeClr>
+          </a:lnRef>
+          <a:fillRef idx="1">
+            <a:schemeClr val="accent1"/>
+          </a:fillRef>
+          <a:effectRef idx="0">
+            <a:schemeClr val="accent1"/>
+          </a:effectRef>
+          <a:fontRef idx="minor">
+            <a:schemeClr val="lt1"/>
+          </a:fontRef>
+        </p:style>
+        <p:txBody>
+          <a:bodyPr rtlCol="1" anchor="ctr"/>
+          <a:lstStyle/>
+          <a:p>
+            <a:pPr algn="ctr"/>
+            <a:endParaRPr lang="he-IL"/>
+          </a:p>
+        </p:txBody>
+      </p:sp>
+      <p:sp>
+        <p:nvSpPr>
+          <p:cNvPr id="7" name="מלבן 6">
+            <a:extLst>
+              <a:ext uri="{FF2B5EF4-FFF2-40B4-BE49-F238E27FC236}">
+                <a16:creationId xmlns:a16="http://schemas.microsoft.com/office/drawing/2014/main" id="{E295DE6F-6BE5-4B2E-B2FF-F6065052DE74}"/>
+              </a:ext>
+            </a:extLst>
+          </p:cNvPr>
+          <p:cNvSpPr/>
+          <p:nvPr/>
+        </p:nvSpPr>
+        <p:spPr>
+          <a:xfrm>
+            <a:off x="1448971" y="4246760"/>
+            <a:ext cx="3096525" cy="1769727"/>
+          </a:xfrm>
+          <a:prstGeom prst="rect">
+            <a:avLst/>
+          </a:prstGeom>
+          <a:solidFill>
+            <a:srgbClr val="4472C4">
+              <a:alpha val="40000"/>
+            </a:srgbClr>
+          </a:solidFill>
+        </p:spPr>
+        <p:style>
+          <a:lnRef idx="2">
+            <a:schemeClr val="accent1">
+              <a:shade val="50000"/>
+            </a:schemeClr>
+          </a:lnRef>
+          <a:fillRef idx="1">
+            <a:schemeClr val="accent1"/>
+          </a:fillRef>
+          <a:effectRef idx="0">
+            <a:schemeClr val="accent1"/>
+          </a:effectRef>
+          <a:fontRef idx="minor">
+            <a:schemeClr val="lt1"/>
+          </a:fontRef>
+        </p:style>
+        <p:txBody>
+          <a:bodyPr rtlCol="1" anchor="ctr"/>
+          <a:lstStyle/>
+          <a:p>
+            <a:pPr algn="ctr"/>
+            <a:endParaRPr lang="he-IL"/>
+          </a:p>
+        </p:txBody>
+      </p:sp>
+    </p:spTree>
+    <p:extLst>
+      <p:ext uri="{BB962C8B-B14F-4D97-AF65-F5344CB8AC3E}">
+        <p14:creationId xmlns:p14="http://schemas.microsoft.com/office/powerpoint/2010/main" val="877369047"/>
+      </p:ext>
+    </p:extLst>
+  </p:cSld>
+  <p:clrMapOvr>
+    <a:masterClrMapping/>
+  </p:clrMapOvr>
+  <p:timing>
+    <p:tnLst>
+      <p:par>
+        <p:cTn id="1" dur="indefinite" restart="never" nodeType="tmRoot">
+          <p:childTnLst>
+            <p:seq concurrent="1" nextAc="seek">
+              <p:cTn id="2" dur="indefinite" nodeType="mainSeq">
+                <p:childTnLst>
+                  <p:par>
+                    <p:cTn id="3" fill="hold">
+                      <p:stCondLst>
+                        <p:cond delay="indefinite"/>
+                      </p:stCondLst>
+                      <p:childTnLst>
+                        <p:par>
+                          <p:cTn id="4" fill="hold">
+                            <p:stCondLst>
+                              <p:cond delay="0"/>
+                            </p:stCondLst>
+                            <p:childTnLst>
+                              <p:par>
+                                <p:cTn id="5" presetID="22" presetClass="entr" presetSubtype="8" fill="hold" grpId="0" nodeType="clickEffect">
+                                  <p:stCondLst>
+                                    <p:cond delay="0"/>
+                                  </p:stCondLst>
+                                  <p:childTnLst>
+                                    <p:set>
+                                      <p:cBhvr>
+                                        <p:cTn id="6" dur="1" fill="hold">
+                                          <p:stCondLst>
+                                            <p:cond delay="0"/>
+                                          </p:stCondLst>
+                                        </p:cTn>
+                                        <p:tgtEl>
+                                          <p:spTgt spid="5"/>
+                                        </p:tgtEl>
+                                        <p:attrNameLst>
+                                          <p:attrName>style.visibility</p:attrName>
+                                        </p:attrNameLst>
+                                      </p:cBhvr>
+                                      <p:to>
+                                        <p:strVal val="visible"/>
+                                      </p:to>
+                                    </p:set>
+                                    <p:animEffect transition="in" filter="wipe(left)">
+                                      <p:cBhvr>
+                                        <p:cTn id="7" dur="500"/>
+                                        <p:tgtEl>
+                                          <p:spTgt spid="5"/>
+                                        </p:tgtEl>
+                                      </p:cBhvr>
+                                    </p:animEffect>
+                                  </p:childTnLst>
+                                </p:cTn>
+                              </p:par>
+                            </p:childTnLst>
+                          </p:cTn>
+                        </p:par>
+                      </p:childTnLst>
+                    </p:cTn>
+                  </p:par>
+                  <p:par>
+                    <p:cTn id="8" fill="hold">
+                      <p:stCondLst>
+                        <p:cond delay="indefinite"/>
+                      </p:stCondLst>
+                      <p:childTnLst>
+                        <p:par>
+                          <p:cTn id="9" fill="hold">
+                            <p:stCondLst>
+                              <p:cond delay="0"/>
+                            </p:stCondLst>
+                            <p:childTnLst>
+                              <p:par>
+                                <p:cTn id="10" presetID="22" presetClass="entr" presetSubtype="8" fill="hold" grpId="0" nodeType="clickEffect">
+                                  <p:stCondLst>
+                                    <p:cond delay="0"/>
+                                  </p:stCondLst>
+                                  <p:childTnLst>
+                                    <p:set>
+                                      <p:cBhvr>
+                                        <p:cTn id="11" dur="1" fill="hold">
+                                          <p:stCondLst>
+                                            <p:cond delay="0"/>
+                                          </p:stCondLst>
+                                        </p:cTn>
+                                        <p:tgtEl>
+                                          <p:spTgt spid="7"/>
+                                        </p:tgtEl>
+                                        <p:attrNameLst>
+                                          <p:attrName>style.visibility</p:attrName>
+                                        </p:attrNameLst>
+                                      </p:cBhvr>
+                                      <p:to>
+                                        <p:strVal val="visible"/>
+                                      </p:to>
+                                    </p:set>
+                                    <p:animEffect transition="in" filter="wipe(left)">
+                                      <p:cBhvr>
+                                        <p:cTn id="12" dur="500"/>
+                                        <p:tgtEl>
+                                          <p:spTgt spid="7"/>
+                                        </p:tgtEl>
+                                      </p:cBhvr>
+                                    </p:animEffect>
+                                  </p:childTnLst>
+                                </p:cTn>
+                              </p:par>
+                            </p:childTnLst>
+                          </p:cTn>
+                        </p:par>
+                      </p:childTnLst>
+                    </p:cTn>
+                  </p:par>
+                </p:childTnLst>
+              </p:cTn>
+              <p:prevCondLst>
+                <p:cond evt="onPrev" delay="0">
+                  <p:tgtEl>
+                    <p:sldTgt/>
+                  </p:tgtEl>
+                </p:cond>
+              </p:prevCondLst>
+              <p:nextCondLst>
+                <p:cond evt="onNext" delay="0">
+                  <p:tgtEl>
+                    <p:sldTgt/>
+                  </p:tgtEl>
+                </p:cond>
+              </p:nextCondLst>
+            </p:seq>
+          </p:childTnLst>
+        </p:cTn>
+      </p:par>
+    </p:tnLst>
+    <p:bldLst>
+      <p:bldP spid="5" grpId="0" animBg="1"/>
+      <p:bldP spid="7" grpId="0" animBg="1"/>
+    </p:bldLst>
+  </p:timing>
+</p:sld>
+</file>
+
+<file path=ppt/slides/slide8.xml><?xml version="1.0" encoding="utf-8"?>
+<p:sld xmlns:a="http://schemas.openxmlformats.org/drawingml/2006/main" xmlns:r="http://schemas.openxmlformats.org/officeDocument/2006/relationships" xmlns:p="http://schemas.openxmlformats.org/presentationml/2006/main">
+  <p:cSld>
+    <p:bg>
+      <p:bgPr>
+        <a:solidFill>
+          <a:schemeClr val="bg1"/>
+        </a:solidFill>
+        <a:effectLst/>
+      </p:bgPr>
+    </p:bg>
+    <p:spTree>
+      <p:nvGrpSpPr>
+        <p:cNvPr id="1" name=""/>
+        <p:cNvGrpSpPr/>
+        <p:nvPr/>
+      </p:nvGrpSpPr>
+      <p:grpSpPr>
+        <a:xfrm>
+          <a:off x="0" y="0"/>
+          <a:ext cx="0" cy="0"/>
+          <a:chOff x="0" y="0"/>
+          <a:chExt cx="0" cy="0"/>
+        </a:xfrm>
+      </p:grpSpPr>
+      <p:sp>
+        <p:nvSpPr>
+          <p:cNvPr id="9" name="Rectangle 8">
+            <a:extLst>
+              <a:ext uri="{FF2B5EF4-FFF2-40B4-BE49-F238E27FC236}">
+                <a16:creationId xmlns:a16="http://schemas.microsoft.com/office/drawing/2014/main" id="{A4AC5506-6312-4701-8D3C-40187889A947}"/>
+              </a:ext>
+              <a:ext uri="{C183D7F6-B498-43B3-948B-1728B52AA6E4}">
+                <adec:decorative xmlns:adec="http://schemas.microsoft.com/office/drawing/2017/decorative" val="1"/>
+              </a:ext>
+            </a:extLst>
+          </p:cNvPr>
+          <p:cNvSpPr>
+            <a:spLocks noGrp="1" noRot="1" noChangeAspect="1" noMove="1" noResize="1" noEditPoints="1" noAdjustHandles="1" noChangeArrowheads="1" noChangeShapeType="1" noTextEdit="1"/>
+          </p:cNvSpPr>
+          <p:nvPr>
+            <p:extLst>
+              <p:ext uri="{386F3935-93C4-4BCD-93E2-E3B085C9AB24}">
+                <p16:designElem xmlns:p16="http://schemas.microsoft.com/office/powerpoint/2015/main" val="1"/>
+              </p:ext>
+            </p:extLst>
+          </p:nvPr>
+        </p:nvSpPr>
+        <p:spPr>
+          <a:xfrm>
+            <a:off x="0" y="651752"/>
+            <a:ext cx="12192000" cy="736551"/>
+          </a:xfrm>
+          <a:prstGeom prst="rect">
+            <a:avLst/>
+          </a:prstGeom>
+          <a:solidFill>
+            <a:schemeClr val="tx1"/>
+          </a:solidFill>
+          <a:ln>
+            <a:noFill/>
+          </a:ln>
+        </p:spPr>
+        <p:style>
+          <a:lnRef idx="2">
+            <a:schemeClr val="accent1">
+              <a:shade val="50000"/>
+            </a:schemeClr>
+          </a:lnRef>
+          <a:fillRef idx="1">
+            <a:schemeClr val="accent1"/>
+          </a:fillRef>
+          <a:effectRef idx="0">
+            <a:schemeClr val="accent1"/>
+          </a:effectRef>
+          <a:fontRef idx="minor">
+            <a:schemeClr val="lt1"/>
+          </a:fontRef>
+        </p:style>
+        <p:txBody>
+          <a:bodyPr rtlCol="0" anchor="ctr"/>
+          <a:lstStyle/>
+          <a:p>
+            <a:pPr algn="ctr"/>
+            <a:endParaRPr lang="en-US"/>
+          </a:p>
+        </p:txBody>
+      </p:sp>
+      <p:sp>
+        <p:nvSpPr>
+          <p:cNvPr id="2" name="כותרת 1">
+            <a:extLst>
+              <a:ext uri="{FF2B5EF4-FFF2-40B4-BE49-F238E27FC236}">
+                <a16:creationId xmlns:a16="http://schemas.microsoft.com/office/drawing/2014/main" id="{5FA90FD1-A275-4439-8C54-522DC55715B3}"/>
+              </a:ext>
+            </a:extLst>
+          </p:cNvPr>
+          <p:cNvSpPr>
+            <a:spLocks noGrp="1"/>
+          </p:cNvSpPr>
+          <p:nvPr>
+            <p:ph type="title"/>
+          </p:nvPr>
+        </p:nvSpPr>
+        <p:spPr>
+          <a:xfrm>
+            <a:off x="556532" y="643467"/>
+            <a:ext cx="11210925" cy="744836"/>
+          </a:xfrm>
+        </p:spPr>
+        <p:txBody>
+          <a:bodyPr vert="horz" lIns="91440" tIns="45720" rIns="91440" bIns="45720" rtlCol="0" anchor="ctr">
+            <a:normAutofit/>
+          </a:bodyPr>
+          <a:lstStyle/>
+          <a:p>
+            <a:pPr algn="ctr" rtl="0"/>
+            <a:r>
+              <a:rPr lang="en-US" sz="3200" kern="1200">
+                <a:solidFill>
+                  <a:schemeClr val="bg1"/>
+                </a:solidFill>
+                <a:latin typeface="+mj-lt"/>
+                <a:ea typeface="+mj-ea"/>
+                <a:cs typeface="+mj-cs"/>
+              </a:rPr>
+              <a:t>Data model</a:t>
+            </a:r>
+          </a:p>
+        </p:txBody>
+      </p:sp>
+      <p:pic>
+        <p:nvPicPr>
+          <p:cNvPr id="4" name="תמונה 3">
+            <a:extLst>
+              <a:ext uri="{FF2B5EF4-FFF2-40B4-BE49-F238E27FC236}">
+                <a16:creationId xmlns:a16="http://schemas.microsoft.com/office/drawing/2014/main" id="{DCA57AF3-7167-443B-B12D-61194750EE45}"/>
+              </a:ext>
+            </a:extLst>
+          </p:cNvPr>
+          <p:cNvPicPr>
+            <a:picLocks noChangeAspect="1"/>
+          </p:cNvPicPr>
+          <p:nvPr/>
+        </p:nvPicPr>
+        <p:blipFill>
+          <a:blip r:embed="rId2"/>
+          <a:stretch>
+            <a:fillRect/>
+          </a:stretch>
+        </p:blipFill>
+        <p:spPr>
+          <a:xfrm>
+            <a:off x="208351" y="1548619"/>
+            <a:ext cx="5746855" cy="2643554"/>
+          </a:xfrm>
+          <a:prstGeom prst="rect">
+            <a:avLst/>
+          </a:prstGeom>
+        </p:spPr>
+      </p:pic>
+      <p:sp>
+        <p:nvSpPr>
+          <p:cNvPr id="5" name="TextBox 4">
+            <a:extLst>
+              <a:ext uri="{FF2B5EF4-FFF2-40B4-BE49-F238E27FC236}">
+                <a16:creationId xmlns:a16="http://schemas.microsoft.com/office/drawing/2014/main" id="{544A9300-CB3C-48D8-AED7-081FD3B68717}"/>
+              </a:ext>
+            </a:extLst>
+          </p:cNvPr>
+          <p:cNvSpPr txBox="1"/>
+          <p:nvPr/>
+        </p:nvSpPr>
+        <p:spPr>
+          <a:xfrm>
+            <a:off x="556532" y="4304714"/>
+            <a:ext cx="3776317" cy="369332"/>
+          </a:xfrm>
+          <a:prstGeom prst="rect">
+            <a:avLst/>
+          </a:prstGeom>
+          <a:noFill/>
+        </p:spPr>
+        <p:txBody>
+          <a:bodyPr wrap="square" rtlCol="1">
+            <a:spAutoFit/>
+          </a:bodyPr>
+          <a:lstStyle/>
+          <a:p>
+            <a:pPr algn="l" rtl="0"/>
+            <a:r>
+              <a:rPr lang="en-US" dirty="0"/>
+              <a:t>Declare class of variable</a:t>
+            </a:r>
+            <a:endParaRPr lang="he-IL" dirty="0"/>
+          </a:p>
+        </p:txBody>
+      </p:sp>
+      <p:pic>
+        <p:nvPicPr>
+          <p:cNvPr id="6" name="תמונה 5">
+            <a:extLst>
+              <a:ext uri="{FF2B5EF4-FFF2-40B4-BE49-F238E27FC236}">
+                <a16:creationId xmlns:a16="http://schemas.microsoft.com/office/drawing/2014/main" id="{201FBF3F-E2AA-4B33-9A7A-3B55089423F0}"/>
+              </a:ext>
+            </a:extLst>
+          </p:cNvPr>
+          <p:cNvPicPr>
+            <a:picLocks noChangeAspect="1"/>
+          </p:cNvPicPr>
+          <p:nvPr/>
+        </p:nvPicPr>
+        <p:blipFill>
+          <a:blip r:embed="rId3"/>
+          <a:stretch>
+            <a:fillRect/>
+          </a:stretch>
+        </p:blipFill>
+        <p:spPr>
+          <a:xfrm>
+            <a:off x="6095999" y="1548619"/>
+            <a:ext cx="6071955" cy="4865433"/>
+          </a:xfrm>
+          <a:prstGeom prst="rect">
+            <a:avLst/>
+          </a:prstGeom>
+        </p:spPr>
+      </p:pic>
+      <p:sp>
+        <p:nvSpPr>
+          <p:cNvPr id="8" name="TextBox 7">
+            <a:extLst>
+              <a:ext uri="{FF2B5EF4-FFF2-40B4-BE49-F238E27FC236}">
+                <a16:creationId xmlns:a16="http://schemas.microsoft.com/office/drawing/2014/main" id="{DD9CE1D2-320D-4111-9498-C3816B1DF897}"/>
+              </a:ext>
+            </a:extLst>
+          </p:cNvPr>
+          <p:cNvSpPr txBox="1"/>
+          <p:nvPr/>
+        </p:nvSpPr>
+        <p:spPr>
+          <a:xfrm>
+            <a:off x="3465383" y="4601921"/>
+            <a:ext cx="3776317" cy="369332"/>
+          </a:xfrm>
+          <a:prstGeom prst="rect">
+            <a:avLst/>
+          </a:prstGeom>
+          <a:noFill/>
+        </p:spPr>
+        <p:txBody>
+          <a:bodyPr wrap="square" rtlCol="1">
+            <a:spAutoFit/>
+          </a:bodyPr>
+          <a:lstStyle/>
+          <a:p>
+            <a:pPr algn="l" rtl="0"/>
+            <a:r>
+              <a:rPr lang="en-US" dirty="0"/>
+              <a:t>Declare variable in control</a:t>
+            </a:r>
+            <a:endParaRPr lang="he-IL" dirty="0"/>
+          </a:p>
+        </p:txBody>
+      </p:sp>
+      <p:pic>
+        <p:nvPicPr>
+          <p:cNvPr id="7" name="תמונה 6">
+            <a:extLst>
+              <a:ext uri="{FF2B5EF4-FFF2-40B4-BE49-F238E27FC236}">
+                <a16:creationId xmlns:a16="http://schemas.microsoft.com/office/drawing/2014/main" id="{15D810FE-BA4C-4174-84C2-7E14F40F0BEF}"/>
+              </a:ext>
+            </a:extLst>
+          </p:cNvPr>
+          <p:cNvPicPr>
+            <a:picLocks noChangeAspect="1"/>
+          </p:cNvPicPr>
+          <p:nvPr/>
+        </p:nvPicPr>
+        <p:blipFill>
+          <a:blip r:embed="rId4"/>
+          <a:stretch>
+            <a:fillRect/>
+          </a:stretch>
+        </p:blipFill>
+        <p:spPr>
+          <a:xfrm>
+            <a:off x="208351" y="5355198"/>
+            <a:ext cx="5496732" cy="1502802"/>
+          </a:xfrm>
+          <a:prstGeom prst="rect">
+            <a:avLst/>
+          </a:prstGeom>
+        </p:spPr>
+      </p:pic>
+      <p:sp>
+        <p:nvSpPr>
+          <p:cNvPr id="10" name="TextBox 9">
+            <a:extLst>
+              <a:ext uri="{FF2B5EF4-FFF2-40B4-BE49-F238E27FC236}">
+                <a16:creationId xmlns:a16="http://schemas.microsoft.com/office/drawing/2014/main" id="{DFA848AE-1CEA-4765-9AD5-DD90FF1FC958}"/>
+              </a:ext>
+            </a:extLst>
+          </p:cNvPr>
+          <p:cNvSpPr txBox="1"/>
+          <p:nvPr/>
+        </p:nvSpPr>
+        <p:spPr>
+          <a:xfrm>
+            <a:off x="662548" y="4916879"/>
+            <a:ext cx="3776317" cy="369332"/>
+          </a:xfrm>
+          <a:prstGeom prst="rect">
+            <a:avLst/>
+          </a:prstGeom>
+          <a:noFill/>
+        </p:spPr>
+        <p:txBody>
+          <a:bodyPr wrap="square" rtlCol="1">
+            <a:spAutoFit/>
+          </a:bodyPr>
+          <a:lstStyle/>
+          <a:p>
+            <a:pPr algn="l" rtl="0"/>
+            <a:r>
+              <a:rPr lang="en-US" dirty="0"/>
+              <a:t>Call it in view</a:t>
+            </a:r>
+            <a:endParaRPr lang="he-IL" dirty="0"/>
+          </a:p>
+        </p:txBody>
+      </p:sp>
+    </p:spTree>
+    <p:extLst>
+      <p:ext uri="{BB962C8B-B14F-4D97-AF65-F5344CB8AC3E}">
+        <p14:creationId xmlns:p14="http://schemas.microsoft.com/office/powerpoint/2010/main" val="3298154029"/>
+      </p:ext>
+    </p:extLst>
+  </p:cSld>
+  <p:clrMapOvr>
+    <a:masterClrMapping/>
+  </p:clrMapOvr>
+  <p:timing>
+    <p:tnLst>
+      <p:par>
+        <p:cTn id="1" dur="indefinite" restart="never" nodeType="tmRoot">
+          <p:childTnLst>
+            <p:seq concurrent="1" nextAc="seek">
+              <p:cTn id="2" dur="indefinite" nodeType="mainSeq">
+                <p:childTnLst>
+                  <p:par>
+                    <p:cTn id="3" fill="hold">
+                      <p:stCondLst>
+                        <p:cond delay="indefinite"/>
+                      </p:stCondLst>
+                      <p:childTnLst>
+                        <p:par>
+                          <p:cTn id="4" fill="hold">
+                            <p:stCondLst>
+                              <p:cond delay="0"/>
+                            </p:stCondLst>
+                            <p:childTnLst>
+                              <p:par>
+                                <p:cTn id="5" presetID="42" presetClass="entr" presetSubtype="0" fill="hold" grpId="0" nodeType="clickEffect">
+                                  <p:stCondLst>
+                                    <p:cond delay="0"/>
+                                  </p:stCondLst>
+                                  <p:childTnLst>
+                                    <p:set>
+                                      <p:cBhvr>
+                                        <p:cTn id="6" dur="1" fill="hold">
+                                          <p:stCondLst>
+                                            <p:cond delay="0"/>
+                                          </p:stCondLst>
+                                        </p:cTn>
+                                        <p:tgtEl>
+                                          <p:spTgt spid="5"/>
+                                        </p:tgtEl>
+                                        <p:attrNameLst>
+                                          <p:attrName>style.visibility</p:attrName>
+                                        </p:attrNameLst>
+                                      </p:cBhvr>
+                                      <p:to>
+                                        <p:strVal val="visible"/>
+                                      </p:to>
+                                    </p:set>
+                                    <p:animEffect transition="in" filter="fade">
+                                      <p:cBhvr>
+                                        <p:cTn id="7" dur="1000"/>
+                                        <p:tgtEl>
+                                          <p:spTgt spid="5"/>
+                                        </p:tgtEl>
+                                      </p:cBhvr>
+                                    </p:animEffect>
+                                    <p:anim calcmode="lin" valueType="num">
+                                      <p:cBhvr>
+                                        <p:cTn id="8" dur="1000" fill="hold"/>
+                                        <p:tgtEl>
+                                          <p:spTgt spid="5"/>
+                                        </p:tgtEl>
+                                        <p:attrNameLst>
+                                          <p:attrName>ppt_x</p:attrName>
+                                        </p:attrNameLst>
+                                      </p:cBhvr>
+                                      <p:tavLst>
+                                        <p:tav tm="0">
+                                          <p:val>
+                                            <p:strVal val="#ppt_x"/>
+                                          </p:val>
+                                        </p:tav>
+                                        <p:tav tm="100000">
+                                          <p:val>
+                                            <p:strVal val="#ppt_x"/>
+                                          </p:val>
+                                        </p:tav>
+                                      </p:tavLst>
+                                    </p:anim>
+                                    <p:anim calcmode="lin" valueType="num">
+                                      <p:cBhvr>
+                                        <p:cTn id="9" dur="1000" fill="hold"/>
+                                        <p:tgtEl>
+                                          <p:spTgt spid="5"/>
+                                        </p:tgtEl>
+                                        <p:attrNameLst>
+                                          <p:attrName>ppt_y</p:attrName>
+                                        </p:attrNameLst>
+                                      </p:cBhvr>
+                                      <p:tavLst>
+                                        <p:tav tm="0">
+                                          <p:val>
+                                            <p:strVal val="#ppt_y+.1"/>
+                                          </p:val>
+                                        </p:tav>
+                                        <p:tav tm="100000">
+                                          <p:val>
+                                            <p:strVal val="#ppt_y"/>
+                                          </p:val>
+                                        </p:tav>
+                                      </p:tavLst>
+                                    </p:anim>
+                                  </p:childTnLst>
+                                </p:cTn>
+                              </p:par>
+                              <p:par>
+                                <p:cTn id="10" presetID="42" presetClass="entr" presetSubtype="0" fill="hold" nodeType="withEffect">
+                                  <p:stCondLst>
+                                    <p:cond delay="0"/>
+                                  </p:stCondLst>
+                                  <p:childTnLst>
+                                    <p:set>
+                                      <p:cBhvr>
+                                        <p:cTn id="11" dur="1" fill="hold">
+                                          <p:stCondLst>
+                                            <p:cond delay="0"/>
+                                          </p:stCondLst>
+                                        </p:cTn>
+                                        <p:tgtEl>
+                                          <p:spTgt spid="4"/>
+                                        </p:tgtEl>
+                                        <p:attrNameLst>
+                                          <p:attrName>style.visibility</p:attrName>
+                                        </p:attrNameLst>
+                                      </p:cBhvr>
+                                      <p:to>
+                                        <p:strVal val="visible"/>
+                                      </p:to>
+                                    </p:set>
+                                    <p:animEffect transition="in" filter="fade">
+                                      <p:cBhvr>
+                                        <p:cTn id="12" dur="1000"/>
+                                        <p:tgtEl>
+                                          <p:spTgt spid="4"/>
+                                        </p:tgtEl>
+                                      </p:cBhvr>
+                                    </p:animEffect>
+                                    <p:anim calcmode="lin" valueType="num">
+                                      <p:cBhvr>
+                                        <p:cTn id="13" dur="1000" fill="hold"/>
+                                        <p:tgtEl>
+                                          <p:spTgt spid="4"/>
+                                        </p:tgtEl>
+                                        <p:attrNameLst>
+                                          <p:attrName>ppt_x</p:attrName>
+                                        </p:attrNameLst>
+                                      </p:cBhvr>
+                                      <p:tavLst>
+                                        <p:tav tm="0">
+                                          <p:val>
+                                            <p:strVal val="#ppt_x"/>
+                                          </p:val>
+                                        </p:tav>
+                                        <p:tav tm="100000">
+                                          <p:val>
+                                            <p:strVal val="#ppt_x"/>
+                                          </p:val>
+                                        </p:tav>
+                                      </p:tavLst>
+                                    </p:anim>
+                                    <p:anim calcmode="lin" valueType="num">
+                                      <p:cBhvr>
+                                        <p:cTn id="14" dur="1000" fill="hold"/>
+                                        <p:tgtEl>
+                                          <p:spTgt spid="4"/>
+                                        </p:tgtEl>
+                                        <p:attrNameLst>
+                                          <p:attrName>ppt_y</p:attrName>
+                                        </p:attrNameLst>
+                                      </p:cBhvr>
+                                      <p:tavLst>
+                                        <p:tav tm="0">
+                                          <p:val>
+                                            <p:strVal val="#ppt_y+.1"/>
+                                          </p:val>
+                                        </p:tav>
+                                        <p:tav tm="100000">
+                                          <p:val>
+                                            <p:strVal val="#ppt_y"/>
+                                          </p:val>
+                                        </p:tav>
+                                      </p:tavLst>
+                                    </p:anim>
+                                  </p:childTnLst>
+                                </p:cTn>
+                              </p:par>
+                            </p:childTnLst>
+                          </p:cTn>
+                        </p:par>
+                      </p:childTnLst>
+                    </p:cTn>
+                  </p:par>
+                  <p:par>
+                    <p:cTn id="15" fill="hold">
+                      <p:stCondLst>
+                        <p:cond delay="indefinite"/>
+                      </p:stCondLst>
+                      <p:childTnLst>
+                        <p:par>
+                          <p:cTn id="16" fill="hold">
+                            <p:stCondLst>
+                              <p:cond delay="0"/>
+                            </p:stCondLst>
+                            <p:childTnLst>
+                              <p:par>
+                                <p:cTn id="17" presetID="42" presetClass="entr" presetSubtype="0" fill="hold" grpId="0" nodeType="clickEffect">
+                                  <p:stCondLst>
+                                    <p:cond delay="0"/>
+                                  </p:stCondLst>
+                                  <p:childTnLst>
+                                    <p:set>
+                                      <p:cBhvr>
+                                        <p:cTn id="18" dur="1" fill="hold">
+                                          <p:stCondLst>
+                                            <p:cond delay="0"/>
+                                          </p:stCondLst>
+                                        </p:cTn>
+                                        <p:tgtEl>
+                                          <p:spTgt spid="8"/>
+                                        </p:tgtEl>
+                                        <p:attrNameLst>
+                                          <p:attrName>style.visibility</p:attrName>
+                                        </p:attrNameLst>
+                                      </p:cBhvr>
+                                      <p:to>
+                                        <p:strVal val="visible"/>
+                                      </p:to>
+                                    </p:set>
+                                    <p:animEffect transition="in" filter="fade">
+                                      <p:cBhvr>
+                                        <p:cTn id="19" dur="1000"/>
+                                        <p:tgtEl>
+                                          <p:spTgt spid="8"/>
+                                        </p:tgtEl>
+                                      </p:cBhvr>
+                                    </p:animEffect>
+                                    <p:anim calcmode="lin" valueType="num">
+                                      <p:cBhvr>
+                                        <p:cTn id="20" dur="1000" fill="hold"/>
+                                        <p:tgtEl>
+                                          <p:spTgt spid="8"/>
+                                        </p:tgtEl>
+                                        <p:attrNameLst>
+                                          <p:attrName>ppt_x</p:attrName>
+                                        </p:attrNameLst>
+                                      </p:cBhvr>
+                                      <p:tavLst>
+                                        <p:tav tm="0">
+                                          <p:val>
+                                            <p:strVal val="#ppt_x"/>
+                                          </p:val>
+                                        </p:tav>
+                                        <p:tav tm="100000">
+                                          <p:val>
+                                            <p:strVal val="#ppt_x"/>
+                                          </p:val>
+                                        </p:tav>
+                                      </p:tavLst>
+                                    </p:anim>
+                                    <p:anim calcmode="lin" valueType="num">
+                                      <p:cBhvr>
+                                        <p:cTn id="21" dur="1000" fill="hold"/>
+                                        <p:tgtEl>
+                                          <p:spTgt spid="8"/>
+                                        </p:tgtEl>
+                                        <p:attrNameLst>
+                                          <p:attrName>ppt_y</p:attrName>
+                                        </p:attrNameLst>
+                                      </p:cBhvr>
+                                      <p:tavLst>
+                                        <p:tav tm="0">
+                                          <p:val>
+                                            <p:strVal val="#ppt_y+.1"/>
+                                          </p:val>
+                                        </p:tav>
+                                        <p:tav tm="100000">
+                                          <p:val>
+                                            <p:strVal val="#ppt_y"/>
+                                          </p:val>
+                                        </p:tav>
+                                      </p:tavLst>
+                                    </p:anim>
+                                  </p:childTnLst>
+                                </p:cTn>
+                              </p:par>
+                              <p:par>
+                                <p:cTn id="22" presetID="42" presetClass="entr" presetSubtype="0" fill="hold" nodeType="withEffect">
+                                  <p:stCondLst>
+                                    <p:cond delay="0"/>
+                                  </p:stCondLst>
+                                  <p:childTnLst>
+                                    <p:set>
+                                      <p:cBhvr>
+                                        <p:cTn id="23" dur="1" fill="hold">
+                                          <p:stCondLst>
+                                            <p:cond delay="0"/>
+                                          </p:stCondLst>
+                                        </p:cTn>
+                                        <p:tgtEl>
+                                          <p:spTgt spid="6"/>
+                                        </p:tgtEl>
+                                        <p:attrNameLst>
+                                          <p:attrName>style.visibility</p:attrName>
+                                        </p:attrNameLst>
+                                      </p:cBhvr>
+                                      <p:to>
+                                        <p:strVal val="visible"/>
+                                      </p:to>
+                                    </p:set>
+                                    <p:animEffect transition="in" filter="fade">
+                                      <p:cBhvr>
+                                        <p:cTn id="24" dur="1000"/>
+                                        <p:tgtEl>
+                                          <p:spTgt spid="6"/>
+                                        </p:tgtEl>
+                                      </p:cBhvr>
+                                    </p:animEffect>
+                                    <p:anim calcmode="lin" valueType="num">
+                                      <p:cBhvr>
+                                        <p:cTn id="25" dur="1000" fill="hold"/>
+                                        <p:tgtEl>
+                                          <p:spTgt spid="6"/>
+                                        </p:tgtEl>
+                                        <p:attrNameLst>
+                                          <p:attrName>ppt_x</p:attrName>
+                                        </p:attrNameLst>
+                                      </p:cBhvr>
+                                      <p:tavLst>
+                                        <p:tav tm="0">
+                                          <p:val>
+                                            <p:strVal val="#ppt_x"/>
+                                          </p:val>
+                                        </p:tav>
+                                        <p:tav tm="100000">
+                                          <p:val>
+                                            <p:strVal val="#ppt_x"/>
+                                          </p:val>
+                                        </p:tav>
+                                      </p:tavLst>
+                                    </p:anim>
+                                    <p:anim calcmode="lin" valueType="num">
+                                      <p:cBhvr>
+                                        <p:cTn id="26" dur="1000" fill="hold"/>
+                                        <p:tgtEl>
+                                          <p:spTgt spid="6"/>
+                                        </p:tgtEl>
+                                        <p:attrNameLst>
+                                          <p:attrName>ppt_y</p:attrName>
+                                        </p:attrNameLst>
+                                      </p:cBhvr>
+                                      <p:tavLst>
+                                        <p:tav tm="0">
+                                          <p:val>
+                                            <p:strVal val="#ppt_y+.1"/>
+                                          </p:val>
+                                        </p:tav>
+                                        <p:tav tm="100000">
+                                          <p:val>
+                                            <p:strVal val="#ppt_y"/>
+                                          </p:val>
+                                        </p:tav>
+                                      </p:tavLst>
+                                    </p:anim>
+                                  </p:childTnLst>
+                                </p:cTn>
+                              </p:par>
+                            </p:childTnLst>
+                          </p:cTn>
+                        </p:par>
+                      </p:childTnLst>
+                    </p:cTn>
+                  </p:par>
+                  <p:par>
+                    <p:cTn id="27" fill="hold">
+                      <p:stCondLst>
+                        <p:cond delay="indefinite"/>
+                      </p:stCondLst>
+                      <p:childTnLst>
+                        <p:par>
+                          <p:cTn id="28" fill="hold">
+                            <p:stCondLst>
+                              <p:cond delay="0"/>
+                            </p:stCondLst>
+                            <p:childTnLst>
+                              <p:par>
+                                <p:cTn id="29" presetID="47" presetClass="entr" presetSubtype="0" fill="hold" nodeType="clickEffect">
+                                  <p:stCondLst>
+                                    <p:cond delay="0"/>
+                                  </p:stCondLst>
+                                  <p:childTnLst>
+                                    <p:set>
+                                      <p:cBhvr>
+                                        <p:cTn id="30" dur="1" fill="hold">
+                                          <p:stCondLst>
+                                            <p:cond delay="0"/>
+                                          </p:stCondLst>
+                                        </p:cTn>
+                                        <p:tgtEl>
+                                          <p:spTgt spid="7"/>
+                                        </p:tgtEl>
+                                        <p:attrNameLst>
+                                          <p:attrName>style.visibility</p:attrName>
+                                        </p:attrNameLst>
+                                      </p:cBhvr>
+                                      <p:to>
+                                        <p:strVal val="visible"/>
+                                      </p:to>
+                                    </p:set>
+                                    <p:animEffect transition="in" filter="fade">
+                                      <p:cBhvr>
+                                        <p:cTn id="31" dur="1000"/>
+                                        <p:tgtEl>
+                                          <p:spTgt spid="7"/>
+                                        </p:tgtEl>
+                                      </p:cBhvr>
+                                    </p:animEffect>
+                                    <p:anim calcmode="lin" valueType="num">
+                                      <p:cBhvr>
+                                        <p:cTn id="32" dur="1000" fill="hold"/>
+                                        <p:tgtEl>
+                                          <p:spTgt spid="7"/>
+                                        </p:tgtEl>
+                                        <p:attrNameLst>
+                                          <p:attrName>ppt_x</p:attrName>
+                                        </p:attrNameLst>
+                                      </p:cBhvr>
+                                      <p:tavLst>
+                                        <p:tav tm="0">
+                                          <p:val>
+                                            <p:strVal val="#ppt_x"/>
+                                          </p:val>
+                                        </p:tav>
+                                        <p:tav tm="100000">
+                                          <p:val>
+                                            <p:strVal val="#ppt_x"/>
+                                          </p:val>
+                                        </p:tav>
+                                      </p:tavLst>
+                                    </p:anim>
+                                    <p:anim calcmode="lin" valueType="num">
+                                      <p:cBhvr>
+                                        <p:cTn id="33" dur="1000" fill="hold"/>
+                                        <p:tgtEl>
+                                          <p:spTgt spid="7"/>
+                                        </p:tgtEl>
+                                        <p:attrNameLst>
+                                          <p:attrName>ppt_y</p:attrName>
+                                        </p:attrNameLst>
+                                      </p:cBhvr>
+                                      <p:tavLst>
+                                        <p:tav tm="0">
+                                          <p:val>
+                                            <p:strVal val="#ppt_y-.1"/>
+                                          </p:val>
+                                        </p:tav>
+                                        <p:tav tm="100000">
+                                          <p:val>
+                                            <p:strVal val="#ppt_y"/>
+                                          </p:val>
+                                        </p:tav>
+                                      </p:tavLst>
+                                    </p:anim>
+                                  </p:childTnLst>
+                                </p:cTn>
+                              </p:par>
+                              <p:par>
+                                <p:cTn id="34" presetID="47" presetClass="entr" presetSubtype="0" fill="hold" grpId="0" nodeType="withEffect">
+                                  <p:stCondLst>
+                                    <p:cond delay="0"/>
+                                  </p:stCondLst>
+                                  <p:childTnLst>
+                                    <p:set>
+                                      <p:cBhvr>
+                                        <p:cTn id="35" dur="1" fill="hold">
+                                          <p:stCondLst>
+                                            <p:cond delay="0"/>
+                                          </p:stCondLst>
+                                        </p:cTn>
+                                        <p:tgtEl>
+                                          <p:spTgt spid="10"/>
+                                        </p:tgtEl>
+                                        <p:attrNameLst>
+                                          <p:attrName>style.visibility</p:attrName>
+                                        </p:attrNameLst>
+                                      </p:cBhvr>
+                                      <p:to>
+                                        <p:strVal val="visible"/>
+                                      </p:to>
+                                    </p:set>
+                                    <p:animEffect transition="in" filter="fade">
+                                      <p:cBhvr>
+                                        <p:cTn id="36" dur="1000"/>
+                                        <p:tgtEl>
+                                          <p:spTgt spid="10"/>
+                                        </p:tgtEl>
+                                      </p:cBhvr>
+                                    </p:animEffect>
+                                    <p:anim calcmode="lin" valueType="num">
+                                      <p:cBhvr>
+                                        <p:cTn id="37" dur="1000" fill="hold"/>
+                                        <p:tgtEl>
+                                          <p:spTgt spid="10"/>
+                                        </p:tgtEl>
+                                        <p:attrNameLst>
+                                          <p:attrName>ppt_x</p:attrName>
+                                        </p:attrNameLst>
+                                      </p:cBhvr>
+                                      <p:tavLst>
+                                        <p:tav tm="0">
+                                          <p:val>
+                                            <p:strVal val="#ppt_x"/>
+                                          </p:val>
+                                        </p:tav>
+                                        <p:tav tm="100000">
+                                          <p:val>
+                                            <p:strVal val="#ppt_x"/>
+                                          </p:val>
+                                        </p:tav>
+                                      </p:tavLst>
+                                    </p:anim>
+                                    <p:anim calcmode="lin" valueType="num">
+                                      <p:cBhvr>
+                                        <p:cTn id="38" dur="1000" fill="hold"/>
+                                        <p:tgtEl>
+                                          <p:spTgt spid="10"/>
+                                        </p:tgtEl>
+                                        <p:attrNameLst>
+                                          <p:attrName>ppt_y</p:attrName>
+                                        </p:attrNameLst>
+                                      </p:cBhvr>
+                                      <p:tavLst>
+                                        <p:tav tm="0">
+                                          <p:val>
+                                            <p:strVal val="#ppt_y-.1"/>
+                                          </p:val>
+                                        </p:tav>
+                                        <p:tav tm="100000">
+                                          <p:val>
+                                            <p:strVal val="#ppt_y"/>
+                                          </p:val>
+                                        </p:tav>
+                                      </p:tavLst>
+                                    </p:anim>
+                                  </p:childTnLst>
+                                </p:cTn>
+                              </p:par>
+                            </p:childTnLst>
+                          </p:cTn>
+                        </p:par>
+                      </p:childTnLst>
+                    </p:cTn>
+                  </p:par>
+                </p:childTnLst>
+              </p:cTn>
+              <p:prevCondLst>
+                <p:cond evt="onPrev" delay="0">
+                  <p:tgtEl>
+                    <p:sldTgt/>
+                  </p:tgtEl>
+                </p:cond>
+              </p:prevCondLst>
+              <p:nextCondLst>
+                <p:cond evt="onNext" delay="0">
+                  <p:tgtEl>
+                    <p:sldTgt/>
+                  </p:tgtEl>
+                </p:cond>
+              </p:nextCondLst>
+            </p:seq>
+          </p:childTnLst>
+        </p:cTn>
+      </p:par>
+    </p:tnLst>
+    <p:bldLst>
+      <p:bldP spid="5" grpId="0"/>
+      <p:bldP spid="8" grpId="0"/>
+      <p:bldP spid="10" grpId="0"/>
+    </p:bldLst>
+  </p:timing>
+</p:sld>
+</file>
+
+<file path=ppt/slides/slide9.xml><?xml version="1.0" encoding="utf-8"?>
+<p:sld xmlns:a="http://schemas.openxmlformats.org/drawingml/2006/main" xmlns:r="http://schemas.openxmlformats.org/officeDocument/2006/relationships" xmlns:p="http://schemas.openxmlformats.org/presentationml/2006/main">
+  <p:cSld>
+    <p:bg>
+      <p:bgPr>
+        <a:solidFill>
+          <a:schemeClr val="bg1"/>
+        </a:solidFill>
+        <a:effectLst/>
+      </p:bgPr>
+    </p:bg>
+    <p:spTree>
+      <p:nvGrpSpPr>
+        <p:cNvPr id="1" name=""/>
+        <p:cNvGrpSpPr/>
+        <p:nvPr/>
+      </p:nvGrpSpPr>
+      <p:grpSpPr>
+        <a:xfrm>
+          <a:off x="0" y="0"/>
+          <a:ext cx="0" cy="0"/>
+          <a:chOff x="0" y="0"/>
+          <a:chExt cx="0" cy="0"/>
+        </a:xfrm>
+      </p:grpSpPr>
+      <p:sp>
+        <p:nvSpPr>
+          <p:cNvPr id="9" name="Rectangle 8">
+            <a:extLst>
+              <a:ext uri="{FF2B5EF4-FFF2-40B4-BE49-F238E27FC236}">
+                <a16:creationId xmlns:a16="http://schemas.microsoft.com/office/drawing/2014/main" id="{A4AC5506-6312-4701-8D3C-40187889A947}"/>
+              </a:ext>
+              <a:ext uri="{C183D7F6-B498-43B3-948B-1728B52AA6E4}">
+                <adec:decorative xmlns:adec="http://schemas.microsoft.com/office/drawing/2017/decorative" val="1"/>
+              </a:ext>
+            </a:extLst>
+          </p:cNvPr>
+          <p:cNvSpPr>
+            <a:spLocks noGrp="1" noRot="1" noChangeAspect="1" noMove="1" noResize="1" noEditPoints="1" noAdjustHandles="1" noChangeArrowheads="1" noChangeShapeType="1" noTextEdit="1"/>
+          </p:cNvSpPr>
+          <p:nvPr>
+            <p:extLst>
+              <p:ext uri="{386F3935-93C4-4BCD-93E2-E3B085C9AB24}">
+                <p16:designElem xmlns:p16="http://schemas.microsoft.com/office/powerpoint/2015/main" val="1"/>
+              </p:ext>
+            </p:extLst>
+          </p:nvPr>
+        </p:nvSpPr>
+        <p:spPr>
+          <a:xfrm>
+            <a:off x="0" y="651752"/>
+            <a:ext cx="12192000" cy="736551"/>
+          </a:xfrm>
+          <a:prstGeom prst="rect">
+            <a:avLst/>
+          </a:prstGeom>
+          <a:solidFill>
+            <a:schemeClr val="tx1"/>
+          </a:solidFill>
+          <a:ln>
+            <a:noFill/>
+          </a:ln>
+        </p:spPr>
+        <p:style>
+          <a:lnRef idx="2">
+            <a:schemeClr val="accent1">
+              <a:shade val="50000"/>
+            </a:schemeClr>
+          </a:lnRef>
+          <a:fillRef idx="1">
+            <a:schemeClr val="accent1"/>
+          </a:fillRef>
+          <a:effectRef idx="0">
+            <a:schemeClr val="accent1"/>
+          </a:effectRef>
+          <a:fontRef idx="minor">
+            <a:schemeClr val="lt1"/>
+          </a:fontRef>
+        </p:style>
+        <p:txBody>
+          <a:bodyPr rtlCol="0" anchor="ctr"/>
+          <a:lstStyle/>
+          <a:p>
+            <a:pPr algn="ctr"/>
+            <a:endParaRPr lang="en-US"/>
+          </a:p>
+        </p:txBody>
+      </p:sp>
+      <p:sp>
+        <p:nvSpPr>
+          <p:cNvPr id="2" name="כותרת 1">
+            <a:extLst>
+              <a:ext uri="{FF2B5EF4-FFF2-40B4-BE49-F238E27FC236}">
+                <a16:creationId xmlns:a16="http://schemas.microsoft.com/office/drawing/2014/main" id="{5FA90FD1-A275-4439-8C54-522DC55715B3}"/>
+              </a:ext>
+            </a:extLst>
+          </p:cNvPr>
+          <p:cNvSpPr>
+            <a:spLocks noGrp="1"/>
+          </p:cNvSpPr>
+          <p:nvPr>
+            <p:ph type="title"/>
+          </p:nvPr>
+        </p:nvSpPr>
+        <p:spPr>
+          <a:xfrm>
+            <a:off x="556532" y="643467"/>
+            <a:ext cx="11210925" cy="744836"/>
+          </a:xfrm>
+        </p:spPr>
+        <p:txBody>
+          <a:bodyPr vert="horz" lIns="91440" tIns="45720" rIns="91440" bIns="45720" rtlCol="0" anchor="ctr">
+            <a:normAutofit/>
+          </a:bodyPr>
+          <a:lstStyle/>
+          <a:p>
+            <a:pPr algn="ctr" rtl="0"/>
+            <a:r>
+              <a:rPr lang="en-US" sz="3200" kern="1200">
+                <a:solidFill>
+                  <a:schemeClr val="bg1"/>
+                </a:solidFill>
+                <a:latin typeface="+mj-lt"/>
+                <a:ea typeface="+mj-ea"/>
+                <a:cs typeface="+mj-cs"/>
+              </a:rPr>
+              <a:t>Data model</a:t>
+            </a:r>
+          </a:p>
+        </p:txBody>
+      </p:sp>
+      <p:pic>
+        <p:nvPicPr>
+          <p:cNvPr id="11" name="תמונה 10">
+            <a:extLst>
+              <a:ext uri="{FF2B5EF4-FFF2-40B4-BE49-F238E27FC236}">
+                <a16:creationId xmlns:a16="http://schemas.microsoft.com/office/drawing/2014/main" id="{6CEE3FC9-0BE8-4AEC-ACDC-5C4EDF38CFBF}"/>
+              </a:ext>
+            </a:extLst>
+          </p:cNvPr>
+          <p:cNvPicPr>
+            <a:picLocks noChangeAspect="1"/>
+          </p:cNvPicPr>
+          <p:nvPr/>
+        </p:nvPicPr>
+        <p:blipFill>
+          <a:blip r:embed="rId2"/>
+          <a:stretch>
+            <a:fillRect/>
+          </a:stretch>
+        </p:blipFill>
+        <p:spPr>
+          <a:xfrm>
+            <a:off x="-1" y="1512862"/>
+            <a:ext cx="5288799" cy="3143543"/>
+          </a:xfrm>
+          <a:prstGeom prst="rect">
+            <a:avLst/>
+          </a:prstGeom>
+        </p:spPr>
+      </p:pic>
+      <p:pic>
+        <p:nvPicPr>
+          <p:cNvPr id="12" name="תמונה 11">
+            <a:extLst>
+              <a:ext uri="{FF2B5EF4-FFF2-40B4-BE49-F238E27FC236}">
+                <a16:creationId xmlns:a16="http://schemas.microsoft.com/office/drawing/2014/main" id="{9B6DE6AA-B636-4FD2-86E3-7E0D48C65EFF}"/>
+              </a:ext>
+            </a:extLst>
+          </p:cNvPr>
+          <p:cNvPicPr>
+            <a:picLocks noChangeAspect="1"/>
+          </p:cNvPicPr>
+          <p:nvPr/>
+        </p:nvPicPr>
+        <p:blipFill>
+          <a:blip r:embed="rId3"/>
+          <a:stretch>
+            <a:fillRect/>
+          </a:stretch>
+        </p:blipFill>
+        <p:spPr>
+          <a:xfrm>
+            <a:off x="5598721" y="1512862"/>
+            <a:ext cx="6302547" cy="5005324"/>
+          </a:xfrm>
+          <a:prstGeom prst="rect">
+            <a:avLst/>
+          </a:prstGeom>
+        </p:spPr>
+      </p:pic>
+      <p:pic>
+        <p:nvPicPr>
+          <p:cNvPr id="13" name="תמונה 12">
+            <a:extLst>
+              <a:ext uri="{FF2B5EF4-FFF2-40B4-BE49-F238E27FC236}">
+                <a16:creationId xmlns:a16="http://schemas.microsoft.com/office/drawing/2014/main" id="{B52CEF71-7063-4F5E-BDBB-25143BF0B238}"/>
+              </a:ext>
+            </a:extLst>
+          </p:cNvPr>
+          <p:cNvPicPr>
+            <a:picLocks noChangeAspect="1"/>
+          </p:cNvPicPr>
+          <p:nvPr/>
+        </p:nvPicPr>
+        <p:blipFill>
+          <a:blip r:embed="rId4"/>
+          <a:stretch>
+            <a:fillRect/>
+          </a:stretch>
+        </p:blipFill>
+        <p:spPr>
+          <a:xfrm>
+            <a:off x="58037" y="4780964"/>
+            <a:ext cx="4882647" cy="1737222"/>
+          </a:xfrm>
+          <a:prstGeom prst="rect">
+            <a:avLst/>
+          </a:prstGeom>
+        </p:spPr>
+      </p:pic>
+    </p:spTree>
+    <p:extLst>
+      <p:ext uri="{BB962C8B-B14F-4D97-AF65-F5344CB8AC3E}">
+        <p14:creationId xmlns:p14="http://schemas.microsoft.com/office/powerpoint/2010/main" val="881828718"/>
+      </p:ext>
+    </p:extLst>
+  </p:cSld>
+  <p:clrMapOvr>
+    <a:masterClrMapping/>
+  </p:clrMapOvr>
+  <p:timing>
+    <p:tnLst>
+      <p:par>
+        <p:cTn id="1" dur="indefinite" restart="never" nodeType="tmRoot">
+          <p:childTnLst>
+            <p:seq concurrent="1" nextAc="seek">
+              <p:cTn id="2" dur="indefinite" nodeType="mainSeq">
+                <p:childTnLst>
+                  <p:par>
+                    <p:cTn id="3" fill="hold">
+                      <p:stCondLst>
+                        <p:cond delay="indefinite"/>
+                      </p:stCondLst>
+                      <p:childTnLst>
+                        <p:par>
+                          <p:cTn id="4" fill="hold">
+                            <p:stCondLst>
+                              <p:cond delay="0"/>
+                            </p:stCondLst>
+                            <p:childTnLst>
+                              <p:par>
+                                <p:cTn id="5" presetID="47" presetClass="entr" presetSubtype="0" fill="hold" nodeType="clickEffect">
+                                  <p:stCondLst>
+                                    <p:cond delay="0"/>
+                                  </p:stCondLst>
+                                  <p:childTnLst>
+                                    <p:set>
+                                      <p:cBhvr>
+                                        <p:cTn id="6" dur="1" fill="hold">
+                                          <p:stCondLst>
+                                            <p:cond delay="0"/>
+                                          </p:stCondLst>
+                                        </p:cTn>
+                                        <p:tgtEl>
+                                          <p:spTgt spid="11"/>
+                                        </p:tgtEl>
+                                        <p:attrNameLst>
+                                          <p:attrName>style.visibility</p:attrName>
+                                        </p:attrNameLst>
+                                      </p:cBhvr>
+                                      <p:to>
+                                        <p:strVal val="visible"/>
+                                      </p:to>
+                                    </p:set>
+                                    <p:animEffect transition="in" filter="fade">
+                                      <p:cBhvr>
+                                        <p:cTn id="7" dur="1000"/>
+                                        <p:tgtEl>
+                                          <p:spTgt spid="11"/>
+                                        </p:tgtEl>
+                                      </p:cBhvr>
+                                    </p:animEffect>
+                                    <p:anim calcmode="lin" valueType="num">
+                                      <p:cBhvr>
+                                        <p:cTn id="8" dur="1000" fill="hold"/>
+                                        <p:tgtEl>
+                                          <p:spTgt spid="11"/>
+                                        </p:tgtEl>
+                                        <p:attrNameLst>
+                                          <p:attrName>ppt_x</p:attrName>
+                                        </p:attrNameLst>
+                                      </p:cBhvr>
+                                      <p:tavLst>
+                                        <p:tav tm="0">
+                                          <p:val>
+                                            <p:strVal val="#ppt_x"/>
+                                          </p:val>
+                                        </p:tav>
+                                        <p:tav tm="100000">
+                                          <p:val>
+                                            <p:strVal val="#ppt_x"/>
+                                          </p:val>
+                                        </p:tav>
+                                      </p:tavLst>
+                                    </p:anim>
+                                    <p:anim calcmode="lin" valueType="num">
+                                      <p:cBhvr>
+                                        <p:cTn id="9" dur="1000" fill="hold"/>
+                                        <p:tgtEl>
+                                          <p:spTgt spid="11"/>
+                                        </p:tgtEl>
+                                        <p:attrNameLst>
+                                          <p:attrName>ppt_y</p:attrName>
+                                        </p:attrNameLst>
+                                      </p:cBhvr>
+                                      <p:tavLst>
+                                        <p:tav tm="0">
+                                          <p:val>
+                                            <p:strVal val="#ppt_y-.1"/>
+                                          </p:val>
+                                        </p:tav>
+                                        <p:tav tm="100000">
+                                          <p:val>
+                                            <p:strVal val="#ppt_y"/>
+                                          </p:val>
+                                        </p:tav>
+                                      </p:tavLst>
+                                    </p:anim>
+                                  </p:childTnLst>
+                                </p:cTn>
+                              </p:par>
+                            </p:childTnLst>
+                          </p:cTn>
+                        </p:par>
+                      </p:childTnLst>
+                    </p:cTn>
+                  </p:par>
+                  <p:par>
+                    <p:cTn id="10" fill="hold">
+                      <p:stCondLst>
+                        <p:cond delay="indefinite"/>
+                      </p:stCondLst>
+                      <p:childTnLst>
+                        <p:par>
+                          <p:cTn id="11" fill="hold">
+                            <p:stCondLst>
+                              <p:cond delay="0"/>
+                            </p:stCondLst>
+                            <p:childTnLst>
+                              <p:par>
+                                <p:cTn id="12" presetID="47" presetClass="entr" presetSubtype="0" fill="hold" nodeType="clickEffect">
+                                  <p:stCondLst>
+                                    <p:cond delay="0"/>
+                                  </p:stCondLst>
+                                  <p:childTnLst>
+                                    <p:set>
+                                      <p:cBhvr>
+                                        <p:cTn id="13" dur="1" fill="hold">
+                                          <p:stCondLst>
+                                            <p:cond delay="0"/>
+                                          </p:stCondLst>
+                                        </p:cTn>
+                                        <p:tgtEl>
+                                          <p:spTgt spid="12"/>
+                                        </p:tgtEl>
+                                        <p:attrNameLst>
+                                          <p:attrName>style.visibility</p:attrName>
+                                        </p:attrNameLst>
+                                      </p:cBhvr>
+                                      <p:to>
+                                        <p:strVal val="visible"/>
+                                      </p:to>
+                                    </p:set>
+                                    <p:animEffect transition="in" filter="fade">
+                                      <p:cBhvr>
+                                        <p:cTn id="14" dur="1000"/>
+                                        <p:tgtEl>
+                                          <p:spTgt spid="12"/>
+                                        </p:tgtEl>
+                                      </p:cBhvr>
+                                    </p:animEffect>
+                                    <p:anim calcmode="lin" valueType="num">
+                                      <p:cBhvr>
+                                        <p:cTn id="15" dur="1000" fill="hold"/>
+                                        <p:tgtEl>
+                                          <p:spTgt spid="12"/>
+                                        </p:tgtEl>
+                                        <p:attrNameLst>
+                                          <p:attrName>ppt_x</p:attrName>
+                                        </p:attrNameLst>
+                                      </p:cBhvr>
+                                      <p:tavLst>
+                                        <p:tav tm="0">
+                                          <p:val>
+                                            <p:strVal val="#ppt_x"/>
+                                          </p:val>
+                                        </p:tav>
+                                        <p:tav tm="100000">
+                                          <p:val>
+                                            <p:strVal val="#ppt_x"/>
+                                          </p:val>
+                                        </p:tav>
+                                      </p:tavLst>
+                                    </p:anim>
+                                    <p:anim calcmode="lin" valueType="num">
+                                      <p:cBhvr>
+                                        <p:cTn id="16" dur="1000" fill="hold"/>
+                                        <p:tgtEl>
+                                          <p:spTgt spid="12"/>
+                                        </p:tgtEl>
+                                        <p:attrNameLst>
+                                          <p:attrName>ppt_y</p:attrName>
+                                        </p:attrNameLst>
+                                      </p:cBhvr>
+                                      <p:tavLst>
+                                        <p:tav tm="0">
+                                          <p:val>
+                                            <p:strVal val="#ppt_y-.1"/>
+                                          </p:val>
+                                        </p:tav>
+                                        <p:tav tm="100000">
+                                          <p:val>
+                                            <p:strVal val="#ppt_y"/>
+                                          </p:val>
+                                        </p:tav>
+                                      </p:tavLst>
+                                    </p:anim>
+                                  </p:childTnLst>
+                                </p:cTn>
+                              </p:par>
+                            </p:childTnLst>
+                          </p:cTn>
+                        </p:par>
+                      </p:childTnLst>
+                    </p:cTn>
+                  </p:par>
+                  <p:par>
+                    <p:cTn id="17" fill="hold">
+                      <p:stCondLst>
+                        <p:cond delay="indefinite"/>
+                      </p:stCondLst>
+                      <p:childTnLst>
+                        <p:par>
+                          <p:cTn id="18" fill="hold">
+                            <p:stCondLst>
+                              <p:cond delay="0"/>
+                            </p:stCondLst>
+                            <p:childTnLst>
+                              <p:par>
+                                <p:cTn id="19" presetID="47" presetClass="entr" presetSubtype="0" fill="hold" nodeType="clickEffect">
+                                  <p:stCondLst>
+                                    <p:cond delay="0"/>
+                                  </p:stCondLst>
+                                  <p:childTnLst>
+                                    <p:set>
+                                      <p:cBhvr>
+                                        <p:cTn id="20" dur="1" fill="hold">
+                                          <p:stCondLst>
+                                            <p:cond delay="0"/>
+                                          </p:stCondLst>
+                                        </p:cTn>
+                                        <p:tgtEl>
+                                          <p:spTgt spid="13"/>
+                                        </p:tgtEl>
+                                        <p:attrNameLst>
+                                          <p:attrName>style.visibility</p:attrName>
+                                        </p:attrNameLst>
+                                      </p:cBhvr>
+                                      <p:to>
+                                        <p:strVal val="visible"/>
+                                      </p:to>
+                                    </p:set>
+                                    <p:animEffect transition="in" filter="fade">
+                                      <p:cBhvr>
+                                        <p:cTn id="21" dur="1000"/>
+                                        <p:tgtEl>
+                                          <p:spTgt spid="13"/>
+                                        </p:tgtEl>
+                                      </p:cBhvr>
+                                    </p:animEffect>
+                                    <p:anim calcmode="lin" valueType="num">
+                                      <p:cBhvr>
+                                        <p:cTn id="22" dur="1000" fill="hold"/>
+                                        <p:tgtEl>
+                                          <p:spTgt spid="13"/>
+                                        </p:tgtEl>
+                                        <p:attrNameLst>
+                                          <p:attrName>ppt_x</p:attrName>
+                                        </p:attrNameLst>
+                                      </p:cBhvr>
+                                      <p:tavLst>
+                                        <p:tav tm="0">
+                                          <p:val>
+                                            <p:strVal val="#ppt_x"/>
+                                          </p:val>
+                                        </p:tav>
+                                        <p:tav tm="100000">
+                                          <p:val>
+                                            <p:strVal val="#ppt_x"/>
+                                          </p:val>
+                                        </p:tav>
+                                      </p:tavLst>
+                                    </p:anim>
+                                    <p:anim calcmode="lin" valueType="num">
+                                      <p:cBhvr>
+                                        <p:cTn id="23" dur="1000" fill="hold"/>
+                                        <p:tgtEl>
+                                          <p:spTgt spid="13"/>
+                                        </p:tgtEl>
+                                        <p:attrNameLst>
+                                          <p:attrName>ppt_y</p:attrName>
+                                        </p:attrNameLst>
+                                      </p:cBhvr>
+                                      <p:tavLst>
+                                        <p:tav tm="0">
+                                          <p:val>
+                                            <p:strVal val="#ppt_y-.1"/>
+                                          </p:val>
+                                        </p:tav>
+                                        <p:tav tm="100000">
+                                          <p:val>
+                                            <p:strVal val="#ppt_y"/>
+                                          </p:val>
+                                        </p:tav>
+                                      </p:tavLst>
+                                    </p:anim>
+                                  </p:childTnLst>
+                                </p:cTn>
+                              </p:par>
+                            </p:childTnLst>
+                          </p:cTn>
+                        </p:par>
+                      </p:childTnLst>
+                    </p:cTn>
+                  </p:par>
+                </p:childTnLst>
+              </p:cTn>
+              <p:prevCondLst>
+                <p:cond evt="onPrev" delay="0">
+                  <p:tgtEl>
+                    <p:sldTgt/>
+                  </p:tgtEl>
+                </p:cond>
+              </p:prevCondLst>
+              <p:nextCondLst>
+                <p:cond evt="onNext" delay="0">
+                  <p:tgtEl>
+                    <p:sldTgt/>
+                  </p:tgtEl>
+                </p:cond>
+              </p:nextCondLst>
+            </p:seq>
+          </p:childTnLst>
+        </p:cTn>
+      </p:par>
+    </p:tnLst>
+  </p:timing>
 </p:sld>
 </file>
 
